--- a/assets/pp files/evolutionary strategy.pptx
+++ b/assets/pp files/evolutionary strategy.pptx
@@ -6,6 +6,7 @@
   </p:sldMasterIdLst>
   <p:sldIdLst>
     <p:sldId id="256" r:id="rId2"/>
+    <p:sldId id="257" r:id="rId3"/>
   </p:sldIdLst>
   <p:sldSz cx="12192000" cy="6858000"/>
   <p:notesSz cx="6858000" cy="9144000"/>
@@ -104,6 +105,11 @@
       </a:defRPr>
     </a:lvl9pPr>
   </p:defaultTextStyle>
+  <p:extLst>
+    <p:ext uri="{EFAFB233-063F-42B5-8137-9DF3F51BA10A}">
+      <p15:sldGuideLst xmlns:p15="http://schemas.microsoft.com/office/powerpoint/2012/main"/>
+    </p:ext>
+  </p:extLst>
 </p:presentation>
 </file>
 
@@ -5389,6 +5395,482 @@
     <p:extLst>
       <p:ext uri="{BB962C8B-B14F-4D97-AF65-F5344CB8AC3E}">
         <p14:creationId xmlns:p14="http://schemas.microsoft.com/office/powerpoint/2010/main" val="1161764222"/>
+      </p:ext>
+    </p:extLst>
+  </p:cSld>
+  <p:clrMapOvr>
+    <a:masterClrMapping/>
+  </p:clrMapOvr>
+</p:sld>
+</file>
+
+<file path=ppt/slides/slide2.xml><?xml version="1.0" encoding="utf-8"?>
+<p:sld xmlns:a="http://schemas.openxmlformats.org/drawingml/2006/main" xmlns:r="http://schemas.openxmlformats.org/officeDocument/2006/relationships" xmlns:p="http://schemas.openxmlformats.org/presentationml/2006/main">
+  <p:cSld>
+    <p:spTree>
+      <p:nvGrpSpPr>
+        <p:cNvPr id="1" name=""/>
+        <p:cNvGrpSpPr/>
+        <p:nvPr/>
+      </p:nvGrpSpPr>
+      <p:grpSpPr>
+        <a:xfrm>
+          <a:off x="0" y="0"/>
+          <a:ext cx="0" cy="0"/>
+          <a:chOff x="0" y="0"/>
+          <a:chExt cx="0" cy="0"/>
+        </a:xfrm>
+      </p:grpSpPr>
+      <p:sp>
+        <p:nvSpPr>
+          <p:cNvPr id="2" name="Rectangle 1">
+            <a:extLst>
+              <a:ext uri="{FF2B5EF4-FFF2-40B4-BE49-F238E27FC236}">
+                <a16:creationId xmlns:a16="http://schemas.microsoft.com/office/drawing/2014/main" id="{BDDD6BA8-F929-6E4B-965E-1F64015C6A07}"/>
+              </a:ext>
+            </a:extLst>
+          </p:cNvPr>
+          <p:cNvSpPr/>
+          <p:nvPr/>
+        </p:nvSpPr>
+        <p:spPr>
+          <a:xfrm>
+            <a:off x="8698832" y="4283241"/>
+            <a:ext cx="1828800" cy="1828800"/>
+          </a:xfrm>
+          <a:prstGeom prst="rect">
+            <a:avLst/>
+          </a:prstGeom>
+          <a:solidFill>
+            <a:schemeClr val="tx1"/>
+          </a:solidFill>
+          <a:ln w="101600">
+            <a:solidFill>
+              <a:schemeClr val="tx1"/>
+            </a:solidFill>
+          </a:ln>
+        </p:spPr>
+        <p:style>
+          <a:lnRef idx="2">
+            <a:schemeClr val="accent1">
+              <a:shade val="50000"/>
+            </a:schemeClr>
+          </a:lnRef>
+          <a:fillRef idx="1">
+            <a:schemeClr val="accent1"/>
+          </a:fillRef>
+          <a:effectRef idx="0">
+            <a:schemeClr val="accent1"/>
+          </a:effectRef>
+          <a:fontRef idx="minor">
+            <a:schemeClr val="lt1"/>
+          </a:fontRef>
+        </p:style>
+        <p:txBody>
+          <a:bodyPr rtlCol="0" anchor="ctr"/>
+          <a:lstStyle/>
+          <a:p>
+            <a:pPr algn="ctr"/>
+            <a:r>
+              <a:rPr lang="en-US" sz="2000" dirty="0">
+                <a:latin typeface="Lato" panose="020F0502020204030203" pitchFamily="34" charset="0"/>
+                <a:ea typeface="Lato" panose="020F0502020204030203" pitchFamily="34" charset="0"/>
+                <a:cs typeface="Lato" panose="020F0502020204030203" pitchFamily="34" charset="0"/>
+              </a:rPr>
+              <a:t>Environment</a:t>
+            </a:r>
+          </a:p>
+        </p:txBody>
+      </p:sp>
+      <p:sp>
+        <p:nvSpPr>
+          <p:cNvPr id="3" name="Rectangle 2">
+            <a:extLst>
+              <a:ext uri="{FF2B5EF4-FFF2-40B4-BE49-F238E27FC236}">
+                <a16:creationId xmlns:a16="http://schemas.microsoft.com/office/drawing/2014/main" id="{16AF2AEC-849F-0945-9F3C-58C6C54AB8AD}"/>
+              </a:ext>
+            </a:extLst>
+          </p:cNvPr>
+          <p:cNvSpPr/>
+          <p:nvPr/>
+        </p:nvSpPr>
+        <p:spPr>
+          <a:xfrm>
+            <a:off x="1909011" y="4283241"/>
+            <a:ext cx="1828800" cy="1828800"/>
+          </a:xfrm>
+          <a:prstGeom prst="rect">
+            <a:avLst/>
+          </a:prstGeom>
+          <a:solidFill>
+            <a:schemeClr val="tx1"/>
+          </a:solidFill>
+          <a:ln w="101600">
+            <a:solidFill>
+              <a:schemeClr val="tx1"/>
+            </a:solidFill>
+          </a:ln>
+        </p:spPr>
+        <p:style>
+          <a:lnRef idx="2">
+            <a:schemeClr val="accent1">
+              <a:shade val="50000"/>
+            </a:schemeClr>
+          </a:lnRef>
+          <a:fillRef idx="1">
+            <a:schemeClr val="accent1"/>
+          </a:fillRef>
+          <a:effectRef idx="0">
+            <a:schemeClr val="accent1"/>
+          </a:effectRef>
+          <a:fontRef idx="minor">
+            <a:schemeClr val="lt1"/>
+          </a:fontRef>
+        </p:style>
+        <p:txBody>
+          <a:bodyPr rtlCol="0" anchor="ctr"/>
+          <a:lstStyle/>
+          <a:p>
+            <a:pPr algn="ctr"/>
+            <a:r>
+              <a:rPr lang="en-US" sz="2000" dirty="0">
+                <a:latin typeface="Lato" panose="020F0502020204030203" pitchFamily="34" charset="0"/>
+                <a:ea typeface="Lato" panose="020F0502020204030203" pitchFamily="34" charset="0"/>
+                <a:cs typeface="Lato" panose="020F0502020204030203" pitchFamily="34" charset="0"/>
+              </a:rPr>
+              <a:t>RL Agent</a:t>
+            </a:r>
+          </a:p>
+        </p:txBody>
+      </p:sp>
+      <p:sp>
+        <p:nvSpPr>
+          <p:cNvPr id="4" name="Rounded Rectangle 3">
+            <a:extLst>
+              <a:ext uri="{FF2B5EF4-FFF2-40B4-BE49-F238E27FC236}">
+                <a16:creationId xmlns:a16="http://schemas.microsoft.com/office/drawing/2014/main" id="{69D9DBD8-1E6E-A240-B439-AA18FFA20354}"/>
+              </a:ext>
+            </a:extLst>
+          </p:cNvPr>
+          <p:cNvSpPr/>
+          <p:nvPr/>
+        </p:nvSpPr>
+        <p:spPr>
+          <a:xfrm>
+            <a:off x="4812631" y="914400"/>
+            <a:ext cx="2863516" cy="1287379"/>
+          </a:xfrm>
+          <a:prstGeom prst="roundRect">
+            <a:avLst/>
+          </a:prstGeom>
+          <a:solidFill>
+            <a:schemeClr val="tx1"/>
+          </a:solidFill>
+          <a:ln w="101600">
+            <a:solidFill>
+              <a:schemeClr val="tx1"/>
+            </a:solidFill>
+          </a:ln>
+        </p:spPr>
+        <p:style>
+          <a:lnRef idx="2">
+            <a:schemeClr val="accent1">
+              <a:shade val="50000"/>
+            </a:schemeClr>
+          </a:lnRef>
+          <a:fillRef idx="1">
+            <a:schemeClr val="accent1"/>
+          </a:fillRef>
+          <a:effectRef idx="0">
+            <a:schemeClr val="accent1"/>
+          </a:effectRef>
+          <a:fontRef idx="minor">
+            <a:schemeClr val="lt1"/>
+          </a:fontRef>
+        </p:style>
+        <p:txBody>
+          <a:bodyPr rtlCol="0" anchor="ctr"/>
+          <a:lstStyle/>
+          <a:p>
+            <a:pPr algn="ctr"/>
+            <a:r>
+              <a:rPr lang="en-US" sz="2000" dirty="0">
+                <a:latin typeface="Lato" panose="020F0502020204030203" pitchFamily="34" charset="0"/>
+                <a:ea typeface="Lato" panose="020F0502020204030203" pitchFamily="34" charset="0"/>
+                <a:cs typeface="Lato" panose="020F0502020204030203" pitchFamily="34" charset="0"/>
+              </a:rPr>
+              <a:t>Reward Predictor</a:t>
+            </a:r>
+          </a:p>
+        </p:txBody>
+      </p:sp>
+      <p:cxnSp>
+        <p:nvCxnSpPr>
+          <p:cNvPr id="6" name="Straight Arrow Connector 5">
+            <a:extLst>
+              <a:ext uri="{FF2B5EF4-FFF2-40B4-BE49-F238E27FC236}">
+                <a16:creationId xmlns:a16="http://schemas.microsoft.com/office/drawing/2014/main" id="{73051779-FAC8-884C-A690-8E4DCF261768}"/>
+              </a:ext>
+            </a:extLst>
+          </p:cNvPr>
+          <p:cNvCxnSpPr>
+            <a:cxnSpLocks/>
+          </p:cNvCxnSpPr>
+          <p:nvPr/>
+        </p:nvCxnSpPr>
+        <p:spPr>
+          <a:xfrm>
+            <a:off x="3737811" y="5799221"/>
+            <a:ext cx="4961021" cy="0"/>
+          </a:xfrm>
+          <a:prstGeom prst="straightConnector1">
+            <a:avLst/>
+          </a:prstGeom>
+          <a:ln w="101600">
+            <a:solidFill>
+              <a:schemeClr val="tx1"/>
+            </a:solidFill>
+            <a:tailEnd type="triangle"/>
+          </a:ln>
+        </p:spPr>
+        <p:style>
+          <a:lnRef idx="1">
+            <a:schemeClr val="accent1"/>
+          </a:lnRef>
+          <a:fillRef idx="0">
+            <a:schemeClr val="accent1"/>
+          </a:fillRef>
+          <a:effectRef idx="0">
+            <a:schemeClr val="accent1"/>
+          </a:effectRef>
+          <a:fontRef idx="minor">
+            <a:schemeClr val="tx1"/>
+          </a:fontRef>
+        </p:style>
+      </p:cxnSp>
+      <p:cxnSp>
+        <p:nvCxnSpPr>
+          <p:cNvPr id="8" name="Straight Arrow Connector 7">
+            <a:extLst>
+              <a:ext uri="{FF2B5EF4-FFF2-40B4-BE49-F238E27FC236}">
+                <a16:creationId xmlns:a16="http://schemas.microsoft.com/office/drawing/2014/main" id="{CC7FA081-150F-F640-97AC-1707A999AC07}"/>
+              </a:ext>
+            </a:extLst>
+          </p:cNvPr>
+          <p:cNvCxnSpPr>
+            <a:cxnSpLocks/>
+          </p:cNvCxnSpPr>
+          <p:nvPr/>
+        </p:nvCxnSpPr>
+        <p:spPr>
+          <a:xfrm flipH="1">
+            <a:off x="3737811" y="4848726"/>
+            <a:ext cx="4961021" cy="0"/>
+          </a:xfrm>
+          <a:prstGeom prst="straightConnector1">
+            <a:avLst/>
+          </a:prstGeom>
+          <a:ln w="101600">
+            <a:solidFill>
+              <a:schemeClr val="tx1"/>
+            </a:solidFill>
+            <a:tailEnd type="triangle"/>
+          </a:ln>
+        </p:spPr>
+        <p:style>
+          <a:lnRef idx="1">
+            <a:schemeClr val="accent1"/>
+          </a:lnRef>
+          <a:fillRef idx="0">
+            <a:schemeClr val="accent1"/>
+          </a:fillRef>
+          <a:effectRef idx="0">
+            <a:schemeClr val="accent1"/>
+          </a:effectRef>
+          <a:fontRef idx="minor">
+            <a:schemeClr val="tx1"/>
+          </a:fontRef>
+        </p:style>
+      </p:cxnSp>
+      <p:cxnSp>
+        <p:nvCxnSpPr>
+          <p:cNvPr id="10" name="Curved Connector 9">
+            <a:extLst>
+              <a:ext uri="{FF2B5EF4-FFF2-40B4-BE49-F238E27FC236}">
+                <a16:creationId xmlns:a16="http://schemas.microsoft.com/office/drawing/2014/main" id="{BAD51D72-3ED8-294B-BB13-E52CBDA52806}"/>
+              </a:ext>
+            </a:extLst>
+          </p:cNvPr>
+          <p:cNvCxnSpPr>
+            <a:endCxn id="4" idx="2"/>
+          </p:cNvCxnSpPr>
+          <p:nvPr/>
+        </p:nvCxnSpPr>
+        <p:spPr>
+          <a:xfrm rot="16200000" flipV="1">
+            <a:off x="6160169" y="2285999"/>
+            <a:ext cx="2622884" cy="2454443"/>
+          </a:xfrm>
+          <a:prstGeom prst="curvedConnector3">
+            <a:avLst>
+              <a:gd name="adj1" fmla="val -918"/>
+            </a:avLst>
+          </a:prstGeom>
+          <a:ln w="101600">
+            <a:solidFill>
+              <a:schemeClr val="tx1"/>
+            </a:solidFill>
+            <a:tailEnd type="triangle"/>
+          </a:ln>
+        </p:spPr>
+        <p:style>
+          <a:lnRef idx="1">
+            <a:schemeClr val="accent1"/>
+          </a:lnRef>
+          <a:fillRef idx="0">
+            <a:schemeClr val="accent1"/>
+          </a:fillRef>
+          <a:effectRef idx="0">
+            <a:schemeClr val="accent1"/>
+          </a:effectRef>
+          <a:fontRef idx="minor">
+            <a:schemeClr val="tx1"/>
+          </a:fontRef>
+        </p:style>
+      </p:cxnSp>
+      <p:cxnSp>
+        <p:nvCxnSpPr>
+          <p:cNvPr id="13" name="Straight Arrow Connector 12">
+            <a:extLst>
+              <a:ext uri="{FF2B5EF4-FFF2-40B4-BE49-F238E27FC236}">
+                <a16:creationId xmlns:a16="http://schemas.microsoft.com/office/drawing/2014/main" id="{B5D7C315-1251-334C-82BA-C8D5317E588B}"/>
+              </a:ext>
+            </a:extLst>
+          </p:cNvPr>
+          <p:cNvCxnSpPr>
+            <a:cxnSpLocks/>
+            <a:endCxn id="4" idx="3"/>
+          </p:cNvCxnSpPr>
+          <p:nvPr/>
+        </p:nvCxnSpPr>
+        <p:spPr>
+          <a:xfrm flipH="1">
+            <a:off x="7676147" y="1558089"/>
+            <a:ext cx="2201779" cy="1"/>
+          </a:xfrm>
+          <a:prstGeom prst="straightConnector1">
+            <a:avLst/>
+          </a:prstGeom>
+          <a:ln w="101600">
+            <a:solidFill>
+              <a:schemeClr val="tx1"/>
+            </a:solidFill>
+            <a:tailEnd type="triangle"/>
+          </a:ln>
+        </p:spPr>
+        <p:style>
+          <a:lnRef idx="1">
+            <a:schemeClr val="accent1"/>
+          </a:lnRef>
+          <a:fillRef idx="0">
+            <a:schemeClr val="accent1"/>
+          </a:fillRef>
+          <a:effectRef idx="0">
+            <a:schemeClr val="accent1"/>
+          </a:effectRef>
+          <a:fontRef idx="minor">
+            <a:schemeClr val="tx1"/>
+          </a:fontRef>
+        </p:style>
+      </p:cxnSp>
+      <p:cxnSp>
+        <p:nvCxnSpPr>
+          <p:cNvPr id="16" name="Curved Connector 15">
+            <a:extLst>
+              <a:ext uri="{FF2B5EF4-FFF2-40B4-BE49-F238E27FC236}">
+                <a16:creationId xmlns:a16="http://schemas.microsoft.com/office/drawing/2014/main" id="{2F67DD9F-8167-D246-A394-18215019C7D1}"/>
+              </a:ext>
+            </a:extLst>
+          </p:cNvPr>
+          <p:cNvCxnSpPr>
+            <a:stCxn id="4" idx="1"/>
+            <a:endCxn id="3" idx="0"/>
+          </p:cNvCxnSpPr>
+          <p:nvPr/>
+        </p:nvCxnSpPr>
+        <p:spPr>
+          <a:xfrm rot="10800000" flipV="1">
+            <a:off x="2823411" y="1558089"/>
+            <a:ext cx="1989220" cy="2725151"/>
+          </a:xfrm>
+          <a:prstGeom prst="curvedConnector2">
+            <a:avLst/>
+          </a:prstGeom>
+          <a:ln w="101600">
+            <a:solidFill>
+              <a:schemeClr val="tx1"/>
+            </a:solidFill>
+            <a:tailEnd type="triangle"/>
+          </a:ln>
+        </p:spPr>
+        <p:style>
+          <a:lnRef idx="1">
+            <a:schemeClr val="accent1"/>
+          </a:lnRef>
+          <a:fillRef idx="0">
+            <a:schemeClr val="accent1"/>
+          </a:fillRef>
+          <a:effectRef idx="0">
+            <a:schemeClr val="accent1"/>
+          </a:effectRef>
+          <a:fontRef idx="minor">
+            <a:schemeClr val="tx1"/>
+          </a:fontRef>
+        </p:style>
+      </p:cxnSp>
+      <p:sp>
+        <p:nvSpPr>
+          <p:cNvPr id="17" name="TextBox 16">
+            <a:extLst>
+              <a:ext uri="{FF2B5EF4-FFF2-40B4-BE49-F238E27FC236}">
+                <a16:creationId xmlns:a16="http://schemas.microsoft.com/office/drawing/2014/main" id="{2B9069A6-DE36-2641-98E9-101E2A4F0A1D}"/>
+              </a:ext>
+            </a:extLst>
+          </p:cNvPr>
+          <p:cNvSpPr txBox="1"/>
+          <p:nvPr/>
+        </p:nvSpPr>
+        <p:spPr>
+          <a:xfrm>
+            <a:off x="9877926" y="1142590"/>
+            <a:ext cx="1880687" cy="707886"/>
+          </a:xfrm>
+          <a:prstGeom prst="rect">
+            <a:avLst/>
+          </a:prstGeom>
+          <a:noFill/>
+        </p:spPr>
+        <p:txBody>
+          <a:bodyPr wrap="square" rtlCol="0">
+            <a:spAutoFit/>
+          </a:bodyPr>
+          <a:lstStyle/>
+          <a:p>
+            <a:r>
+              <a:rPr lang="en-US" sz="2000" dirty="0">
+                <a:latin typeface="Lato" panose="020F0502020204030203" pitchFamily="34" charset="0"/>
+                <a:ea typeface="Lato" panose="020F0502020204030203" pitchFamily="34" charset="0"/>
+                <a:cs typeface="Lato" panose="020F0502020204030203" pitchFamily="34" charset="0"/>
+              </a:rPr>
+              <a:t>Human Feedback</a:t>
+            </a:r>
+          </a:p>
+        </p:txBody>
+      </p:sp>
+    </p:spTree>
+    <p:extLst>
+      <p:ext uri="{BB962C8B-B14F-4D97-AF65-F5344CB8AC3E}">
+        <p14:creationId xmlns:p14="http://schemas.microsoft.com/office/powerpoint/2010/main" val="426098266"/>
       </p:ext>
     </p:extLst>
   </p:cSld>
